--- a/day-5-copilot/day-5-copilot-in-excel.pptx
+++ b/day-5-copilot/day-5-copilot-in-excel.pptx
@@ -243,7 +243,7 @@
           <a:p>
             <a:fld id="{17A98A70-FA8C-4354-959C-C70678AC9BCF}" type="datetimeFigureOut">
               <a:rPr lang="en-US" smtClean="0"/>
-              <a:t>10/25/2024</a:t>
+              <a:t>4/25/2025</a:t>
             </a:fld>
             <a:endParaRPr lang="en-US"/>
           </a:p>
@@ -1086,7 +1086,7 @@
             <a:fld id="{1D8BD707-D9CF-40AE-B4C6-C98DA3205C09}" type="datetimeFigureOut">
               <a:rPr lang="en-US" smtClean="0"/>
               <a:pPr/>
-              <a:t>10/25/2024</a:t>
+              <a:t>4/25/2025</a:t>
             </a:fld>
             <a:endParaRPr lang="en-US"/>
           </a:p>
@@ -1251,7 +1251,7 @@
             <a:fld id="{1D8BD707-D9CF-40AE-B4C6-C98DA3205C09}" type="datetimeFigureOut">
               <a:rPr lang="en-US" smtClean="0"/>
               <a:pPr/>
-              <a:t>10/25/2024</a:t>
+              <a:t>4/25/2025</a:t>
             </a:fld>
             <a:endParaRPr lang="en-US"/>
           </a:p>
@@ -1426,7 +1426,7 @@
             <a:fld id="{1D8BD707-D9CF-40AE-B4C6-C98DA3205C09}" type="datetimeFigureOut">
               <a:rPr lang="en-US" smtClean="0"/>
               <a:pPr/>
-              <a:t>10/25/2024</a:t>
+              <a:t>4/25/2025</a:t>
             </a:fld>
             <a:endParaRPr lang="en-US"/>
           </a:p>
@@ -1591,7 +1591,7 @@
             <a:fld id="{1D8BD707-D9CF-40AE-B4C6-C98DA3205C09}" type="datetimeFigureOut">
               <a:rPr lang="en-US" smtClean="0"/>
               <a:pPr/>
-              <a:t>10/25/2024</a:t>
+              <a:t>4/25/2025</a:t>
             </a:fld>
             <a:endParaRPr lang="en-US"/>
           </a:p>
@@ -1833,7 +1833,7 @@
             <a:fld id="{1D8BD707-D9CF-40AE-B4C6-C98DA3205C09}" type="datetimeFigureOut">
               <a:rPr lang="en-US" smtClean="0"/>
               <a:pPr/>
-              <a:t>10/25/2024</a:t>
+              <a:t>4/25/2025</a:t>
             </a:fld>
             <a:endParaRPr lang="en-US"/>
           </a:p>
@@ -2115,7 +2115,7 @@
             <a:fld id="{1D8BD707-D9CF-40AE-B4C6-C98DA3205C09}" type="datetimeFigureOut">
               <a:rPr lang="en-US" smtClean="0"/>
               <a:pPr/>
-              <a:t>10/25/2024</a:t>
+              <a:t>4/25/2025</a:t>
             </a:fld>
             <a:endParaRPr lang="en-US"/>
           </a:p>
@@ -2531,7 +2531,7 @@
             <a:fld id="{1D8BD707-D9CF-40AE-B4C6-C98DA3205C09}" type="datetimeFigureOut">
               <a:rPr lang="en-US" smtClean="0"/>
               <a:pPr/>
-              <a:t>10/25/2024</a:t>
+              <a:t>4/25/2025</a:t>
             </a:fld>
             <a:endParaRPr lang="en-US"/>
           </a:p>
@@ -2645,7 +2645,7 @@
             <a:fld id="{1D8BD707-D9CF-40AE-B4C6-C98DA3205C09}" type="datetimeFigureOut">
               <a:rPr lang="en-US" smtClean="0"/>
               <a:pPr/>
-              <a:t>10/25/2024</a:t>
+              <a:t>4/25/2025</a:t>
             </a:fld>
             <a:endParaRPr lang="en-US"/>
           </a:p>
@@ -2737,7 +2737,7 @@
             <a:fld id="{1D8BD707-D9CF-40AE-B4C6-C98DA3205C09}" type="datetimeFigureOut">
               <a:rPr lang="en-US" smtClean="0"/>
               <a:pPr/>
-              <a:t>10/25/2024</a:t>
+              <a:t>4/25/2025</a:t>
             </a:fld>
             <a:endParaRPr lang="en-US"/>
           </a:p>
@@ -3009,7 +3009,7 @@
             <a:fld id="{1D8BD707-D9CF-40AE-B4C6-C98DA3205C09}" type="datetimeFigureOut">
               <a:rPr lang="en-US" smtClean="0"/>
               <a:pPr/>
-              <a:t>10/25/2024</a:t>
+              <a:t>4/25/2025</a:t>
             </a:fld>
             <a:endParaRPr lang="en-US"/>
           </a:p>
@@ -3258,7 +3258,7 @@
             <a:fld id="{1D8BD707-D9CF-40AE-B4C6-C98DA3205C09}" type="datetimeFigureOut">
               <a:rPr lang="en-US" smtClean="0"/>
               <a:pPr/>
-              <a:t>10/25/2024</a:t>
+              <a:t>4/25/2025</a:t>
             </a:fld>
             <a:endParaRPr lang="en-US"/>
           </a:p>
@@ -3471,7 +3471,7 @@
             <a:fld id="{1D8BD707-D9CF-40AE-B4C6-C98DA3205C09}" type="datetimeFigureOut">
               <a:rPr lang="en-US" smtClean="0"/>
               <a:pPr/>
-              <a:t>10/25/2024</a:t>
+              <a:t>4/25/2025</a:t>
             </a:fld>
             <a:endParaRPr lang="en-US"/>
           </a:p>
@@ -5143,7 +5143,7 @@
                 </a:solidFill>
                 <a:latin typeface="Pragmatica" panose="020B0403040502020204" pitchFamily="34" charset="0"/>
               </a:rPr>
-              <a:t>FREE until the end of next year!</a:t>
+              <a:t>FREE through the end of the year!</a:t>
             </a:r>
           </a:p>
           <a:p>
